--- a/Data Interface Layout/Online_Retailer_Data_Interface_Layout_v2.0.pptx
+++ b/Data Interface Layout/Online_Retailer_Data_Interface_Layout_v2.0.pptx
@@ -163,6 +163,45 @@
         </pc:sldMkLst>
         <pc:spChg chg="mod">
           <ac:chgData name="HUI Ho Wa" userId="S::hwhui8-c@ad.cityu.edu.hk::e927a532-8ed5-44ad-b01b-167d5e91968d" providerId="AD" clId="Web-{CB5E3EF4-AFCE-56BA-746A-48D0185FE71E}" dt="2019-02-14T15:36:39.482" v="2" actId="20577"/>
+          <ac:spMkLst>
+            <pc:docMk/>
+            <pc:sldMk cId="1622195306" sldId="259"/>
+            <ac:spMk id="3" creationId="{78972792-7B69-4281-9718-7848F331358E}"/>
+          </ac:spMkLst>
+        </pc:spChg>
+      </pc:sldChg>
+    </pc:docChg>
+  </pc:docChgLst>
+  <pc:docChgLst>
+    <pc:chgData name="HUI Ho Wa" userId="S::hwhui8-c@ad.cityu.edu.hk::e927a532-8ed5-44ad-b01b-167d5e91968d" providerId="AD" clId="Web-{1FA0A509-6570-0C47-52A4-B2B0BED9B4FC}"/>
+    <pc:docChg chg="modSld">
+      <pc:chgData name="HUI Ho Wa" userId="S::hwhui8-c@ad.cityu.edu.hk::e927a532-8ed5-44ad-b01b-167d5e91968d" providerId="AD" clId="Web-{1FA0A509-6570-0C47-52A4-B2B0BED9B4FC}" dt="2019-02-14T15:59:33.968" v="29" actId="20577"/>
+      <pc:docMkLst>
+        <pc:docMk/>
+      </pc:docMkLst>
+      <pc:sldChg chg="modSp">
+        <pc:chgData name="HUI Ho Wa" userId="S::hwhui8-c@ad.cityu.edu.hk::e927a532-8ed5-44ad-b01b-167d5e91968d" providerId="AD" clId="Web-{1FA0A509-6570-0C47-52A4-B2B0BED9B4FC}" dt="2019-02-14T15:59:04.999" v="21" actId="14100"/>
+        <pc:sldMkLst>
+          <pc:docMk/>
+          <pc:sldMk cId="1684129823" sldId="256"/>
+        </pc:sldMkLst>
+        <pc:spChg chg="mod">
+          <ac:chgData name="HUI Ho Wa" userId="S::hwhui8-c@ad.cityu.edu.hk::e927a532-8ed5-44ad-b01b-167d5e91968d" providerId="AD" clId="Web-{1FA0A509-6570-0C47-52A4-B2B0BED9B4FC}" dt="2019-02-14T15:59:04.999" v="21" actId="14100"/>
+          <ac:spMkLst>
+            <pc:docMk/>
+            <pc:sldMk cId="1684129823" sldId="256"/>
+            <ac:spMk id="4" creationId="{BC0F1983-E8C9-44C6-9BB4-0CC3D519C5D2}"/>
+          </ac:spMkLst>
+        </pc:spChg>
+      </pc:sldChg>
+      <pc:sldChg chg="modSp">
+        <pc:chgData name="HUI Ho Wa" userId="S::hwhui8-c@ad.cityu.edu.hk::e927a532-8ed5-44ad-b01b-167d5e91968d" providerId="AD" clId="Web-{1FA0A509-6570-0C47-52A4-B2B0BED9B4FC}" dt="2019-02-14T15:59:31.483" v="26" actId="20577"/>
+        <pc:sldMkLst>
+          <pc:docMk/>
+          <pc:sldMk cId="1622195306" sldId="259"/>
+        </pc:sldMkLst>
+        <pc:spChg chg="mod">
+          <ac:chgData name="HUI Ho Wa" userId="S::hwhui8-c@ad.cityu.edu.hk::e927a532-8ed5-44ad-b01b-167d5e91968d" providerId="AD" clId="Web-{1FA0A509-6570-0C47-52A4-B2B0BED9B4FC}" dt="2019-02-14T15:59:31.483" v="26" actId="20577"/>
           <ac:spMkLst>
             <pc:docMk/>
             <pc:sldMk cId="1622195306" sldId="259"/>
@@ -4646,7 +4685,7 @@
         <p:spPr>
           <a:xfrm>
             <a:off x="9125594" y="5226341"/>
-            <a:ext cx="2971332" cy="1477328"/>
+            <a:ext cx="2971332" cy="1754326"/>
           </a:xfrm>
           <a:prstGeom prst="rect">
             <a:avLst/>
@@ -4672,23 +4711,59 @@
           </a:p>
           <a:p>
             <a:r>
-              <a:rPr lang="en-US" dirty="0"/>
-              <a:t>Lui Chun Wang, Winko</a:t>
-            </a:r>
-          </a:p>
-          <a:p>
-            <a:r>
-              <a:rPr lang="en-US" dirty="0"/>
-              <a:t>Hui Ho Wa, Philip</a:t>
-            </a:r>
-          </a:p>
-          <a:p>
-            <a:r>
               <a:rPr lang="en-US" dirty="0">
                 <a:cs typeface="Arial"/>
               </a:rPr>
-              <a:t>Cheuk Chun Ham, Vincent</a:t>
-            </a:r>
+              <a:t>Lui Cheuk </a:t>
+            </a:r>
+            <a:r>
+              <a:rPr lang="en-US" dirty="0" err="1">
+                <a:cs typeface="Arial"/>
+              </a:rPr>
+              <a:t>Hin</a:t>
+            </a:r>
+            <a:r>
+              <a:rPr lang="en-US" dirty="0">
+                <a:cs typeface="Arial"/>
+              </a:rPr>
+              <a:t>, Vincent</a:t>
+            </a:r>
+            <a:endParaRPr lang="en-US" dirty="0"/>
+          </a:p>
+          <a:p>
+            <a:r>
+              <a:rPr lang="en-US" dirty="0"/>
+              <a:t>Lui Chun Wang, </a:t>
+            </a:r>
+            <a:r>
+              <a:rPr lang="en-US" dirty="0" err="1"/>
+              <a:t>Winko</a:t>
+            </a:r>
+            <a:endParaRPr lang="en-US" dirty="0" err="1">
+              <a:cs typeface="Arial"/>
+            </a:endParaRPr>
+          </a:p>
+          <a:p>
+            <a:r>
+              <a:rPr lang="en-US" dirty="0"/>
+              <a:t>Hui Ho </a:t>
+            </a:r>
+            <a:r>
+              <a:rPr lang="en-US" dirty="0" err="1"/>
+              <a:t>Wa</a:t>
+            </a:r>
+            <a:r>
+              <a:rPr lang="en-US" dirty="0"/>
+              <a:t>, Philip</a:t>
+            </a:r>
+            <a:endParaRPr lang="en-US" dirty="0">
+              <a:cs typeface="Arial"/>
+            </a:endParaRPr>
+          </a:p>
+          <a:p>
+            <a:endParaRPr lang="en-US" dirty="0">
+              <a:cs typeface="Arial"/>
+            </a:endParaRPr>
           </a:p>
         </p:txBody>
       </p:sp>
@@ -6249,7 +6324,9 @@
           <a:p>
             <a:pPr marL="344170" indent="-344170"/>
             <a:r>
-              <a:rPr lang="en-US" dirty="0"/>
+              <a:rPr lang="en-US" dirty="0">
+                <a:hlinkClick r:id="rId2"/>
+              </a:rPr>
               <a:t>https://github.com/cu302cemgp3/302CEM</a:t>
             </a:r>
           </a:p>
